--- a/Presentation.pptx
+++ b/Presentation.pptx
@@ -164,1195 +164,11 @@
   <p1510:revLst>
     <p1510:client id="{0EF1F527-CABC-4649-96F0-570669BC6787}" v="11785" dt="2020-06-04T14:08:53.285"/>
     <p1510:client id="{92AAED8D-0CF3-417A-A427-43825A639103}" v="12617" dt="2020-06-10T15:14:52.039"/>
+    <p1510:client id="{9C36A07A-FADE-4850-BEBF-F3A42FDA2191}" v="154" dt="2020-06-10T19:14:22.570"/>
     <p1510:client id="{A350633A-2346-48FE-A7EA-9DCCE9A2C555}" v="6860" dt="2020-06-05T14:34:10.152"/>
+    <p1510:client id="{C26E968C-510F-4D33-98AA-F0C0178401FD}" v="4" dt="2020-06-15T12:37:24.276"/>
   </p1510:revLst>
 </p1510:revInfo>
-</file>
-
-<file path=ppt/changesInfos/changesInfo1.xml><?xml version="1.0" encoding="utf-8"?>
-<pc:chgInfo xmlns:a="http://schemas.openxmlformats.org/drawingml/2006/main" xmlns:r="http://schemas.openxmlformats.org/officeDocument/2006/relationships" xmlns:ac="http://schemas.microsoft.com/office/drawing/2013/main/command" xmlns:pc="http://schemas.microsoft.com/office/powerpoint/2013/main/command">
-  <pc:docChgLst>
-    <pc:chgData name="samuel barthelemy" userId="17dd9d392918d2e8" providerId="Windows Live" clId="Web-{A350633A-2346-48FE-A7EA-9DCCE9A2C555}"/>
-    <pc:docChg chg="addSld modSld">
-      <pc:chgData name="samuel barthelemy" userId="17dd9d392918d2e8" providerId="Windows Live" clId="Web-{A350633A-2346-48FE-A7EA-9DCCE9A2C555}" dt="2020-06-05T14:34:10.152" v="6839" actId="20577"/>
-      <pc:docMkLst>
-        <pc:docMk/>
-      </pc:docMkLst>
-      <pc:sldChg chg="modSp">
-        <pc:chgData name="samuel barthelemy" userId="17dd9d392918d2e8" providerId="Windows Live" clId="Web-{A350633A-2346-48FE-A7EA-9DCCE9A2C555}" dt="2020-06-04T16:31:40.961" v="3662" actId="20577"/>
-        <pc:sldMkLst>
-          <pc:docMk/>
-          <pc:sldMk cId="734868715" sldId="258"/>
-        </pc:sldMkLst>
-        <pc:spChg chg="mod">
-          <ac:chgData name="samuel barthelemy" userId="17dd9d392918d2e8" providerId="Windows Live" clId="Web-{A350633A-2346-48FE-A7EA-9DCCE9A2C555}" dt="2020-06-04T16:31:40.961" v="3662" actId="20577"/>
-          <ac:spMkLst>
-            <pc:docMk/>
-            <pc:sldMk cId="734868715" sldId="258"/>
-            <ac:spMk id="3" creationId="{A503483B-E74A-4D78-AC26-C5C60E6EA85A}"/>
-          </ac:spMkLst>
-        </pc:spChg>
-      </pc:sldChg>
-      <pc:sldChg chg="modSp">
-        <pc:chgData name="samuel barthelemy" userId="17dd9d392918d2e8" providerId="Windows Live" clId="Web-{A350633A-2346-48FE-A7EA-9DCCE9A2C555}" dt="2020-06-04T15:28:59.803" v="401" actId="20577"/>
-        <pc:sldMkLst>
-          <pc:docMk/>
-          <pc:sldMk cId="2627659125" sldId="265"/>
-        </pc:sldMkLst>
-        <pc:spChg chg="mod">
-          <ac:chgData name="samuel barthelemy" userId="17dd9d392918d2e8" providerId="Windows Live" clId="Web-{A350633A-2346-48FE-A7EA-9DCCE9A2C555}" dt="2020-06-04T15:28:59.803" v="401" actId="20577"/>
-          <ac:spMkLst>
-            <pc:docMk/>
-            <pc:sldMk cId="2627659125" sldId="265"/>
-            <ac:spMk id="3" creationId="{7756C6A6-0514-4A00-BD71-112173ED8F24}"/>
-          </ac:spMkLst>
-        </pc:spChg>
-      </pc:sldChg>
-      <pc:sldChg chg="modSp">
-        <pc:chgData name="samuel barthelemy" userId="17dd9d392918d2e8" providerId="Windows Live" clId="Web-{A350633A-2346-48FE-A7EA-9DCCE9A2C555}" dt="2020-06-04T18:41:47.996" v="4403" actId="20577"/>
-        <pc:sldMkLst>
-          <pc:docMk/>
-          <pc:sldMk cId="61261596" sldId="267"/>
-        </pc:sldMkLst>
-        <pc:spChg chg="mod">
-          <ac:chgData name="samuel barthelemy" userId="17dd9d392918d2e8" providerId="Windows Live" clId="Web-{A350633A-2346-48FE-A7EA-9DCCE9A2C555}" dt="2020-06-04T18:41:47.996" v="4403" actId="20577"/>
-          <ac:spMkLst>
-            <pc:docMk/>
-            <pc:sldMk cId="61261596" sldId="267"/>
-            <ac:spMk id="3" creationId="{D7057E2E-712C-4E3C-8A98-C8D1B8229A1F}"/>
-          </ac:spMkLst>
-        </pc:spChg>
-      </pc:sldChg>
-      <pc:sldChg chg="modSp new">
-        <pc:chgData name="samuel barthelemy" userId="17dd9d392918d2e8" providerId="Windows Live" clId="Web-{A350633A-2346-48FE-A7EA-9DCCE9A2C555}" dt="2020-06-04T15:27:44.628" v="286" actId="20577"/>
-        <pc:sldMkLst>
-          <pc:docMk/>
-          <pc:sldMk cId="538994802" sldId="270"/>
-        </pc:sldMkLst>
-        <pc:spChg chg="mod">
-          <ac:chgData name="samuel barthelemy" userId="17dd9d392918d2e8" providerId="Windows Live" clId="Web-{A350633A-2346-48FE-A7EA-9DCCE9A2C555}" dt="2020-06-04T15:25:17.264" v="29" actId="20577"/>
-          <ac:spMkLst>
-            <pc:docMk/>
-            <pc:sldMk cId="538994802" sldId="270"/>
-            <ac:spMk id="2" creationId="{C55C922E-291B-41F3-BECF-3A4CC020FA46}"/>
-          </ac:spMkLst>
-        </pc:spChg>
-        <pc:spChg chg="mod">
-          <ac:chgData name="samuel barthelemy" userId="17dd9d392918d2e8" providerId="Windows Live" clId="Web-{A350633A-2346-48FE-A7EA-9DCCE9A2C555}" dt="2020-06-04T15:27:44.628" v="286" actId="20577"/>
-          <ac:spMkLst>
-            <pc:docMk/>
-            <pc:sldMk cId="538994802" sldId="270"/>
-            <ac:spMk id="3" creationId="{B0DF3053-0F0C-4375-BD42-A366B02E0A4D}"/>
-          </ac:spMkLst>
-        </pc:spChg>
-      </pc:sldChg>
-      <pc:sldChg chg="modSp new">
-        <pc:chgData name="samuel barthelemy" userId="17dd9d392918d2e8" providerId="Windows Live" clId="Web-{A350633A-2346-48FE-A7EA-9DCCE9A2C555}" dt="2020-06-04T15:28:54.724" v="388" actId="20577"/>
-        <pc:sldMkLst>
-          <pc:docMk/>
-          <pc:sldMk cId="2231709525" sldId="271"/>
-        </pc:sldMkLst>
-        <pc:spChg chg="mod">
-          <ac:chgData name="samuel barthelemy" userId="17dd9d392918d2e8" providerId="Windows Live" clId="Web-{A350633A-2346-48FE-A7EA-9DCCE9A2C555}" dt="2020-06-04T15:28:19.411" v="313" actId="20577"/>
-          <ac:spMkLst>
-            <pc:docMk/>
-            <pc:sldMk cId="2231709525" sldId="271"/>
-            <ac:spMk id="2" creationId="{87DCFF5F-ACE0-448C-BD7E-202760E9FCED}"/>
-          </ac:spMkLst>
-        </pc:spChg>
-        <pc:spChg chg="mod">
-          <ac:chgData name="samuel barthelemy" userId="17dd9d392918d2e8" providerId="Windows Live" clId="Web-{A350633A-2346-48FE-A7EA-9DCCE9A2C555}" dt="2020-06-04T15:28:54.724" v="388" actId="20577"/>
-          <ac:spMkLst>
-            <pc:docMk/>
-            <pc:sldMk cId="2231709525" sldId="271"/>
-            <ac:spMk id="3" creationId="{01DA94B5-7D2F-4FC5-9627-13B2CF61C78F}"/>
-          </ac:spMkLst>
-        </pc:spChg>
-      </pc:sldChg>
-      <pc:sldChg chg="modSp new">
-        <pc:chgData name="samuel barthelemy" userId="17dd9d392918d2e8" providerId="Windows Live" clId="Web-{A350633A-2346-48FE-A7EA-9DCCE9A2C555}" dt="2020-06-04T15:40:56.201" v="1663" actId="20577"/>
-        <pc:sldMkLst>
-          <pc:docMk/>
-          <pc:sldMk cId="3514508068" sldId="272"/>
-        </pc:sldMkLst>
-        <pc:spChg chg="mod">
-          <ac:chgData name="samuel barthelemy" userId="17dd9d392918d2e8" providerId="Windows Live" clId="Web-{A350633A-2346-48FE-A7EA-9DCCE9A2C555}" dt="2020-06-04T15:29:40.882" v="421" actId="20577"/>
-          <ac:spMkLst>
-            <pc:docMk/>
-            <pc:sldMk cId="3514508068" sldId="272"/>
-            <ac:spMk id="2" creationId="{39CE8F37-F74B-45EA-895A-3A27732512F1}"/>
-          </ac:spMkLst>
-        </pc:spChg>
-        <pc:spChg chg="mod">
-          <ac:chgData name="samuel barthelemy" userId="17dd9d392918d2e8" providerId="Windows Live" clId="Web-{A350633A-2346-48FE-A7EA-9DCCE9A2C555}" dt="2020-06-04T15:40:56.201" v="1663" actId="20577"/>
-          <ac:spMkLst>
-            <pc:docMk/>
-            <pc:sldMk cId="3514508068" sldId="272"/>
-            <ac:spMk id="3" creationId="{A12CE1ED-A84F-488C-BB3C-A8FD3773A224}"/>
-          </ac:spMkLst>
-        </pc:spChg>
-      </pc:sldChg>
-      <pc:sldChg chg="modSp new">
-        <pc:chgData name="samuel barthelemy" userId="17dd9d392918d2e8" providerId="Windows Live" clId="Web-{A350633A-2346-48FE-A7EA-9DCCE9A2C555}" dt="2020-06-04T15:43:27.769" v="2182" actId="20577"/>
-        <pc:sldMkLst>
-          <pc:docMk/>
-          <pc:sldMk cId="4128497684" sldId="273"/>
-        </pc:sldMkLst>
-        <pc:spChg chg="mod">
-          <ac:chgData name="samuel barthelemy" userId="17dd9d392918d2e8" providerId="Windows Live" clId="Web-{A350633A-2346-48FE-A7EA-9DCCE9A2C555}" dt="2020-06-04T15:38:35.946" v="1309" actId="20577"/>
-          <ac:spMkLst>
-            <pc:docMk/>
-            <pc:sldMk cId="4128497684" sldId="273"/>
-            <ac:spMk id="2" creationId="{CDDC23B2-5180-4143-A324-7C8FCEBA708D}"/>
-          </ac:spMkLst>
-        </pc:spChg>
-        <pc:spChg chg="mod">
-          <ac:chgData name="samuel barthelemy" userId="17dd9d392918d2e8" providerId="Windows Live" clId="Web-{A350633A-2346-48FE-A7EA-9DCCE9A2C555}" dt="2020-06-04T15:43:27.769" v="2182" actId="20577"/>
-          <ac:spMkLst>
-            <pc:docMk/>
-            <pc:sldMk cId="4128497684" sldId="273"/>
-            <ac:spMk id="3" creationId="{63468089-8D29-48DA-901D-141435346B45}"/>
-          </ac:spMkLst>
-        </pc:spChg>
-      </pc:sldChg>
-      <pc:sldChg chg="modSp new">
-        <pc:chgData name="samuel barthelemy" userId="17dd9d392918d2e8" providerId="Windows Live" clId="Web-{A350633A-2346-48FE-A7EA-9DCCE9A2C555}" dt="2020-06-04T15:52:34.708" v="3290" actId="20577"/>
-        <pc:sldMkLst>
-          <pc:docMk/>
-          <pc:sldMk cId="1284654803" sldId="274"/>
-        </pc:sldMkLst>
-        <pc:spChg chg="mod">
-          <ac:chgData name="samuel barthelemy" userId="17dd9d392918d2e8" providerId="Windows Live" clId="Web-{A350633A-2346-48FE-A7EA-9DCCE9A2C555}" dt="2020-06-04T15:44:11.223" v="2195" actId="20577"/>
-          <ac:spMkLst>
-            <pc:docMk/>
-            <pc:sldMk cId="1284654803" sldId="274"/>
-            <ac:spMk id="2" creationId="{A0DBF8DB-8D71-45AF-B361-CB36482E1E4C}"/>
-          </ac:spMkLst>
-        </pc:spChg>
-        <pc:spChg chg="mod">
-          <ac:chgData name="samuel barthelemy" userId="17dd9d392918d2e8" providerId="Windows Live" clId="Web-{A350633A-2346-48FE-A7EA-9DCCE9A2C555}" dt="2020-06-04T15:52:34.708" v="3290" actId="20577"/>
-          <ac:spMkLst>
-            <pc:docMk/>
-            <pc:sldMk cId="1284654803" sldId="274"/>
-            <ac:spMk id="3" creationId="{39F766F8-AD1A-4721-AEBC-C46637A66090}"/>
-          </ac:spMkLst>
-        </pc:spChg>
-      </pc:sldChg>
-      <pc:sldChg chg="modSp new">
-        <pc:chgData name="samuel barthelemy" userId="17dd9d392918d2e8" providerId="Windows Live" clId="Web-{A350633A-2346-48FE-A7EA-9DCCE9A2C555}" dt="2020-06-04T15:56:24.419" v="3660" actId="20577"/>
-        <pc:sldMkLst>
-          <pc:docMk/>
-          <pc:sldMk cId="3442982711" sldId="275"/>
-        </pc:sldMkLst>
-        <pc:spChg chg="mod">
-          <ac:chgData name="samuel barthelemy" userId="17dd9d392918d2e8" providerId="Windows Live" clId="Web-{A350633A-2346-48FE-A7EA-9DCCE9A2C555}" dt="2020-06-04T15:53:05.709" v="3297" actId="20577"/>
-          <ac:spMkLst>
-            <pc:docMk/>
-            <pc:sldMk cId="3442982711" sldId="275"/>
-            <ac:spMk id="2" creationId="{D886FA59-2D78-453E-A167-56EDA46DFEDA}"/>
-          </ac:spMkLst>
-        </pc:spChg>
-        <pc:spChg chg="mod">
-          <ac:chgData name="samuel barthelemy" userId="17dd9d392918d2e8" providerId="Windows Live" clId="Web-{A350633A-2346-48FE-A7EA-9DCCE9A2C555}" dt="2020-06-04T15:56:24.419" v="3660" actId="20577"/>
-          <ac:spMkLst>
-            <pc:docMk/>
-            <pc:sldMk cId="3442982711" sldId="275"/>
-            <ac:spMk id="3" creationId="{42C2428D-A4DB-4563-9E40-79825F43351B}"/>
-          </ac:spMkLst>
-        </pc:spChg>
-      </pc:sldChg>
-      <pc:sldChg chg="modSp new">
-        <pc:chgData name="samuel barthelemy" userId="17dd9d392918d2e8" providerId="Windows Live" clId="Web-{A350633A-2346-48FE-A7EA-9DCCE9A2C555}" dt="2020-06-04T16:32:30.773" v="3775" actId="20577"/>
-        <pc:sldMkLst>
-          <pc:docMk/>
-          <pc:sldMk cId="2850602609" sldId="276"/>
-        </pc:sldMkLst>
-        <pc:spChg chg="mod">
-          <ac:chgData name="samuel barthelemy" userId="17dd9d392918d2e8" providerId="Windows Live" clId="Web-{A350633A-2346-48FE-A7EA-9DCCE9A2C555}" dt="2020-06-04T16:32:05.180" v="3705" actId="20577"/>
-          <ac:spMkLst>
-            <pc:docMk/>
-            <pc:sldMk cId="2850602609" sldId="276"/>
-            <ac:spMk id="2" creationId="{3D334039-E286-4D53-8720-D2B0A00FE62F}"/>
-          </ac:spMkLst>
-        </pc:spChg>
-        <pc:spChg chg="mod">
-          <ac:chgData name="samuel barthelemy" userId="17dd9d392918d2e8" providerId="Windows Live" clId="Web-{A350633A-2346-48FE-A7EA-9DCCE9A2C555}" dt="2020-06-04T16:32:30.773" v="3775" actId="20577"/>
-          <ac:spMkLst>
-            <pc:docMk/>
-            <pc:sldMk cId="2850602609" sldId="276"/>
-            <ac:spMk id="3" creationId="{BB1F060E-9B84-4565-A238-134C52E40142}"/>
-          </ac:spMkLst>
-        </pc:spChg>
-      </pc:sldChg>
-      <pc:sldChg chg="modSp new">
-        <pc:chgData name="samuel barthelemy" userId="17dd9d392918d2e8" providerId="Windows Live" clId="Web-{A350633A-2346-48FE-A7EA-9DCCE9A2C555}" dt="2020-06-04T18:31:44.676" v="4397" actId="20577"/>
-        <pc:sldMkLst>
-          <pc:docMk/>
-          <pc:sldMk cId="1712567707" sldId="277"/>
-        </pc:sldMkLst>
-        <pc:spChg chg="mod">
-          <ac:chgData name="samuel barthelemy" userId="17dd9d392918d2e8" providerId="Windows Live" clId="Web-{A350633A-2346-48FE-A7EA-9DCCE9A2C555}" dt="2020-06-04T16:34:27.274" v="3789" actId="20577"/>
-          <ac:spMkLst>
-            <pc:docMk/>
-            <pc:sldMk cId="1712567707" sldId="277"/>
-            <ac:spMk id="2" creationId="{17E211B3-8952-492A-A87B-9CBC4148FEB5}"/>
-          </ac:spMkLst>
-        </pc:spChg>
-        <pc:spChg chg="mod">
-          <ac:chgData name="samuel barthelemy" userId="17dd9d392918d2e8" providerId="Windows Live" clId="Web-{A350633A-2346-48FE-A7EA-9DCCE9A2C555}" dt="2020-06-04T18:31:44.676" v="4397" actId="20577"/>
-          <ac:spMkLst>
-            <pc:docMk/>
-            <pc:sldMk cId="1712567707" sldId="277"/>
-            <ac:spMk id="3" creationId="{952028E3-6083-4D0A-8CDF-E4501B239706}"/>
-          </ac:spMkLst>
-        </pc:spChg>
-      </pc:sldChg>
-      <pc:sldChg chg="modSp new">
-        <pc:chgData name="samuel barthelemy" userId="17dd9d392918d2e8" providerId="Windows Live" clId="Web-{A350633A-2346-48FE-A7EA-9DCCE9A2C555}" dt="2020-06-05T13:43:55.119" v="4876" actId="20577"/>
-        <pc:sldMkLst>
-          <pc:docMk/>
-          <pc:sldMk cId="2766864752" sldId="278"/>
-        </pc:sldMkLst>
-        <pc:spChg chg="mod">
-          <ac:chgData name="samuel barthelemy" userId="17dd9d392918d2e8" providerId="Windows Live" clId="Web-{A350633A-2346-48FE-A7EA-9DCCE9A2C555}" dt="2020-06-05T13:08:39.120" v="4427" actId="20577"/>
-          <ac:spMkLst>
-            <pc:docMk/>
-            <pc:sldMk cId="2766864752" sldId="278"/>
-            <ac:spMk id="2" creationId="{64DB418E-4D3B-4793-896B-D41D3F5136F1}"/>
-          </ac:spMkLst>
-        </pc:spChg>
-        <pc:spChg chg="mod">
-          <ac:chgData name="samuel barthelemy" userId="17dd9d392918d2e8" providerId="Windows Live" clId="Web-{A350633A-2346-48FE-A7EA-9DCCE9A2C555}" dt="2020-06-05T13:43:55.119" v="4876" actId="20577"/>
-          <ac:spMkLst>
-            <pc:docMk/>
-            <pc:sldMk cId="2766864752" sldId="278"/>
-            <ac:spMk id="3" creationId="{525CFF22-AA58-4A47-B444-110B27EB1FD4}"/>
-          </ac:spMkLst>
-        </pc:spChg>
-      </pc:sldChg>
-      <pc:sldChg chg="modSp new">
-        <pc:chgData name="samuel barthelemy" userId="17dd9d392918d2e8" providerId="Windows Live" clId="Web-{A350633A-2346-48FE-A7EA-9DCCE9A2C555}" dt="2020-06-05T14:29:39.574" v="6446" actId="20577"/>
-        <pc:sldMkLst>
-          <pc:docMk/>
-          <pc:sldMk cId="3869571705" sldId="279"/>
-        </pc:sldMkLst>
-        <pc:spChg chg="mod">
-          <ac:chgData name="samuel barthelemy" userId="17dd9d392918d2e8" providerId="Windows Live" clId="Web-{A350633A-2346-48FE-A7EA-9DCCE9A2C555}" dt="2020-06-05T13:08:51.432" v="4432" actId="20577"/>
-          <ac:spMkLst>
-            <pc:docMk/>
-            <pc:sldMk cId="3869571705" sldId="279"/>
-            <ac:spMk id="2" creationId="{B429E7A2-D55E-4D36-B996-8D69EB7527C1}"/>
-          </ac:spMkLst>
-        </pc:spChg>
-        <pc:spChg chg="mod">
-          <ac:chgData name="samuel barthelemy" userId="17dd9d392918d2e8" providerId="Windows Live" clId="Web-{A350633A-2346-48FE-A7EA-9DCCE9A2C555}" dt="2020-06-05T14:29:39.574" v="6446" actId="20577"/>
-          <ac:spMkLst>
-            <pc:docMk/>
-            <pc:sldMk cId="3869571705" sldId="279"/>
-            <ac:spMk id="3" creationId="{8BF03C3F-36CE-4DDD-808B-53AF628A374F}"/>
-          </ac:spMkLst>
-        </pc:spChg>
-      </pc:sldChg>
-      <pc:sldChg chg="modSp new">
-        <pc:chgData name="samuel barthelemy" userId="17dd9d392918d2e8" providerId="Windows Live" clId="Web-{A350633A-2346-48FE-A7EA-9DCCE9A2C555}" dt="2020-06-05T14:34:05.543" v="6838" actId="20577"/>
-        <pc:sldMkLst>
-          <pc:docMk/>
-          <pc:sldMk cId="4046178641" sldId="280"/>
-        </pc:sldMkLst>
-        <pc:spChg chg="mod">
-          <ac:chgData name="samuel barthelemy" userId="17dd9d392918d2e8" providerId="Windows Live" clId="Web-{A350633A-2346-48FE-A7EA-9DCCE9A2C555}" dt="2020-06-05T13:09:00.979" v="4442" actId="20577"/>
-          <ac:spMkLst>
-            <pc:docMk/>
-            <pc:sldMk cId="4046178641" sldId="280"/>
-            <ac:spMk id="2" creationId="{25106C8F-E2BD-420F-97D9-DD62B37036E6}"/>
-          </ac:spMkLst>
-        </pc:spChg>
-        <pc:spChg chg="mod">
-          <ac:chgData name="samuel barthelemy" userId="17dd9d392918d2e8" providerId="Windows Live" clId="Web-{A350633A-2346-48FE-A7EA-9DCCE9A2C555}" dt="2020-06-05T14:34:05.543" v="6838" actId="20577"/>
-          <ac:spMkLst>
-            <pc:docMk/>
-            <pc:sldMk cId="4046178641" sldId="280"/>
-            <ac:spMk id="3" creationId="{77C3C70C-8252-4FFB-A5F5-2414F1F81724}"/>
-          </ac:spMkLst>
-        </pc:spChg>
-      </pc:sldChg>
-    </pc:docChg>
-  </pc:docChgLst>
-  <pc:docChgLst>
-    <pc:chgData name="samuel barthelemy" userId="17dd9d392918d2e8" providerId="Windows Live" clId="Web-{92AAED8D-0CF3-417A-A427-43825A639103}"/>
-    <pc:docChg chg="addSld delSld modSld sldOrd">
-      <pc:chgData name="samuel barthelemy" userId="17dd9d392918d2e8" providerId="Windows Live" clId="Web-{92AAED8D-0CF3-417A-A427-43825A639103}" dt="2020-06-10T15:14:52.039" v="12581" actId="20577"/>
-      <pc:docMkLst>
-        <pc:docMk/>
-      </pc:docMkLst>
-      <pc:sldChg chg="modSp">
-        <pc:chgData name="samuel barthelemy" userId="17dd9d392918d2e8" providerId="Windows Live" clId="Web-{92AAED8D-0CF3-417A-A427-43825A639103}" dt="2020-06-08T16:19:22.158" v="3301" actId="20577"/>
-        <pc:sldMkLst>
-          <pc:docMk/>
-          <pc:sldMk cId="734868715" sldId="258"/>
-        </pc:sldMkLst>
-        <pc:spChg chg="mod">
-          <ac:chgData name="samuel barthelemy" userId="17dd9d392918d2e8" providerId="Windows Live" clId="Web-{92AAED8D-0CF3-417A-A427-43825A639103}" dt="2020-06-08T16:19:22.158" v="3301" actId="20577"/>
-          <ac:spMkLst>
-            <pc:docMk/>
-            <pc:sldMk cId="734868715" sldId="258"/>
-            <ac:spMk id="3" creationId="{A503483B-E74A-4D78-AC26-C5C60E6EA85A}"/>
-          </ac:spMkLst>
-        </pc:spChg>
-      </pc:sldChg>
-      <pc:sldChg chg="modSp">
-        <pc:chgData name="samuel barthelemy" userId="17dd9d392918d2e8" providerId="Windows Live" clId="Web-{92AAED8D-0CF3-417A-A427-43825A639103}" dt="2020-06-08T16:19:51.862" v="3327" actId="20577"/>
-        <pc:sldMkLst>
-          <pc:docMk/>
-          <pc:sldMk cId="2850602609" sldId="276"/>
-        </pc:sldMkLst>
-        <pc:spChg chg="mod">
-          <ac:chgData name="samuel barthelemy" userId="17dd9d392918d2e8" providerId="Windows Live" clId="Web-{92AAED8D-0CF3-417A-A427-43825A639103}" dt="2020-06-08T16:19:41.845" v="3322" actId="20577"/>
-          <ac:spMkLst>
-            <pc:docMk/>
-            <pc:sldMk cId="2850602609" sldId="276"/>
-            <ac:spMk id="2" creationId="{3D334039-E286-4D53-8720-D2B0A00FE62F}"/>
-          </ac:spMkLst>
-        </pc:spChg>
-        <pc:spChg chg="mod">
-          <ac:chgData name="samuel barthelemy" userId="17dd9d392918d2e8" providerId="Windows Live" clId="Web-{92AAED8D-0CF3-417A-A427-43825A639103}" dt="2020-06-08T16:19:51.862" v="3327" actId="20577"/>
-          <ac:spMkLst>
-            <pc:docMk/>
-            <pc:sldMk cId="2850602609" sldId="276"/>
-            <ac:spMk id="3" creationId="{BB1F060E-9B84-4565-A238-134C52E40142}"/>
-          </ac:spMkLst>
-        </pc:spChg>
-      </pc:sldChg>
-      <pc:sldChg chg="modSp">
-        <pc:chgData name="samuel barthelemy" userId="17dd9d392918d2e8" providerId="Windows Live" clId="Web-{92AAED8D-0CF3-417A-A427-43825A639103}" dt="2020-06-08T17:26:23.831" v="9183" actId="20577"/>
-        <pc:sldMkLst>
-          <pc:docMk/>
-          <pc:sldMk cId="1712567707" sldId="277"/>
-        </pc:sldMkLst>
-        <pc:spChg chg="mod">
-          <ac:chgData name="samuel barthelemy" userId="17dd9d392918d2e8" providerId="Windows Live" clId="Web-{92AAED8D-0CF3-417A-A427-43825A639103}" dt="2020-06-08T17:26:23.831" v="9183" actId="20577"/>
-          <ac:spMkLst>
-            <pc:docMk/>
-            <pc:sldMk cId="1712567707" sldId="277"/>
-            <ac:spMk id="3" creationId="{952028E3-6083-4D0A-8CDF-E4501B239706}"/>
-          </ac:spMkLst>
-        </pc:spChg>
-      </pc:sldChg>
-      <pc:sldChg chg="modSp">
-        <pc:chgData name="samuel barthelemy" userId="17dd9d392918d2e8" providerId="Windows Live" clId="Web-{92AAED8D-0CF3-417A-A427-43825A639103}" dt="2020-06-08T17:26:33.909" v="9191" actId="20577"/>
-        <pc:sldMkLst>
-          <pc:docMk/>
-          <pc:sldMk cId="3869571705" sldId="279"/>
-        </pc:sldMkLst>
-        <pc:spChg chg="mod">
-          <ac:chgData name="samuel barthelemy" userId="17dd9d392918d2e8" providerId="Windows Live" clId="Web-{92AAED8D-0CF3-417A-A427-43825A639103}" dt="2020-06-08T17:26:33.909" v="9191" actId="20577"/>
-          <ac:spMkLst>
-            <pc:docMk/>
-            <pc:sldMk cId="3869571705" sldId="279"/>
-            <ac:spMk id="3" creationId="{8BF03C3F-36CE-4DDD-808B-53AF628A374F}"/>
-          </ac:spMkLst>
-        </pc:spChg>
-      </pc:sldChg>
-      <pc:sldChg chg="modSp new">
-        <pc:chgData name="samuel barthelemy" userId="17dd9d392918d2e8" providerId="Windows Live" clId="Web-{92AAED8D-0CF3-417A-A427-43825A639103}" dt="2020-06-08T15:53:12.698" v="40" actId="20577"/>
-        <pc:sldMkLst>
-          <pc:docMk/>
-          <pc:sldMk cId="1476111655" sldId="281"/>
-        </pc:sldMkLst>
-        <pc:spChg chg="mod">
-          <ac:chgData name="samuel barthelemy" userId="17dd9d392918d2e8" providerId="Windows Live" clId="Web-{92AAED8D-0CF3-417A-A427-43825A639103}" dt="2020-06-08T15:53:12.698" v="40" actId="20577"/>
-          <ac:spMkLst>
-            <pc:docMk/>
-            <pc:sldMk cId="1476111655" sldId="281"/>
-            <ac:spMk id="2" creationId="{BD692A3F-EA90-43C0-8D8F-11E0F278D358}"/>
-          </ac:spMkLst>
-        </pc:spChg>
-        <pc:spChg chg="mod">
-          <ac:chgData name="samuel barthelemy" userId="17dd9d392918d2e8" providerId="Windows Live" clId="Web-{92AAED8D-0CF3-417A-A427-43825A639103}" dt="2020-06-08T15:52:41.479" v="32" actId="20577"/>
-          <ac:spMkLst>
-            <pc:docMk/>
-            <pc:sldMk cId="1476111655" sldId="281"/>
-            <ac:spMk id="3" creationId="{D3406371-1AA5-46D0-A317-27D52A7A73C9}"/>
-          </ac:spMkLst>
-        </pc:spChg>
-      </pc:sldChg>
-      <pc:sldChg chg="modSp add replId">
-        <pc:chgData name="samuel barthelemy" userId="17dd9d392918d2e8" providerId="Windows Live" clId="Web-{92AAED8D-0CF3-417A-A427-43825A639103}" dt="2020-06-08T15:56:14.886" v="622" actId="20577"/>
-        <pc:sldMkLst>
-          <pc:docMk/>
-          <pc:sldMk cId="1660700426" sldId="282"/>
-        </pc:sldMkLst>
-        <pc:spChg chg="mod">
-          <ac:chgData name="samuel barthelemy" userId="17dd9d392918d2e8" providerId="Windows Live" clId="Web-{92AAED8D-0CF3-417A-A427-43825A639103}" dt="2020-06-08T15:56:14.886" v="622" actId="20577"/>
-          <ac:spMkLst>
-            <pc:docMk/>
-            <pc:sldMk cId="1660700426" sldId="282"/>
-            <ac:spMk id="3" creationId="{D3406371-1AA5-46D0-A317-27D52A7A73C9}"/>
-          </ac:spMkLst>
-        </pc:spChg>
-      </pc:sldChg>
-      <pc:sldChg chg="modSp add replId">
-        <pc:chgData name="samuel barthelemy" userId="17dd9d392918d2e8" providerId="Windows Live" clId="Web-{92AAED8D-0CF3-417A-A427-43825A639103}" dt="2020-06-08T16:04:37.904" v="1806" actId="20577"/>
-        <pc:sldMkLst>
-          <pc:docMk/>
-          <pc:sldMk cId="1693792200" sldId="283"/>
-        </pc:sldMkLst>
-        <pc:spChg chg="mod">
-          <ac:chgData name="samuel barthelemy" userId="17dd9d392918d2e8" providerId="Windows Live" clId="Web-{92AAED8D-0CF3-417A-A427-43825A639103}" dt="2020-06-08T15:56:25.121" v="635" actId="20577"/>
-          <ac:spMkLst>
-            <pc:docMk/>
-            <pc:sldMk cId="1693792200" sldId="283"/>
-            <ac:spMk id="2" creationId="{BD692A3F-EA90-43C0-8D8F-11E0F278D358}"/>
-          </ac:spMkLst>
-        </pc:spChg>
-        <pc:spChg chg="mod">
-          <ac:chgData name="samuel barthelemy" userId="17dd9d392918d2e8" providerId="Windows Live" clId="Web-{92AAED8D-0CF3-417A-A427-43825A639103}" dt="2020-06-08T16:04:37.904" v="1806" actId="20577"/>
-          <ac:spMkLst>
-            <pc:docMk/>
-            <pc:sldMk cId="1693792200" sldId="283"/>
-            <ac:spMk id="3" creationId="{D3406371-1AA5-46D0-A317-27D52A7A73C9}"/>
-          </ac:spMkLst>
-        </pc:spChg>
-      </pc:sldChg>
-      <pc:sldChg chg="modSp add replId">
-        <pc:chgData name="samuel barthelemy" userId="17dd9d392918d2e8" providerId="Windows Live" clId="Web-{92AAED8D-0CF3-417A-A427-43825A639103}" dt="2020-06-08T16:12:35.406" v="2877" actId="20577"/>
-        <pc:sldMkLst>
-          <pc:docMk/>
-          <pc:sldMk cId="2705286442" sldId="284"/>
-        </pc:sldMkLst>
-        <pc:spChg chg="mod">
-          <ac:chgData name="samuel barthelemy" userId="17dd9d392918d2e8" providerId="Windows Live" clId="Web-{92AAED8D-0CF3-417A-A427-43825A639103}" dt="2020-06-08T16:04:46.435" v="1814" actId="20577"/>
-          <ac:spMkLst>
-            <pc:docMk/>
-            <pc:sldMk cId="2705286442" sldId="284"/>
-            <ac:spMk id="2" creationId="{BD692A3F-EA90-43C0-8D8F-11E0F278D358}"/>
-          </ac:spMkLst>
-        </pc:spChg>
-        <pc:spChg chg="mod">
-          <ac:chgData name="samuel barthelemy" userId="17dd9d392918d2e8" providerId="Windows Live" clId="Web-{92AAED8D-0CF3-417A-A427-43825A639103}" dt="2020-06-08T16:12:35.406" v="2877" actId="20577"/>
-          <ac:spMkLst>
-            <pc:docMk/>
-            <pc:sldMk cId="2705286442" sldId="284"/>
-            <ac:spMk id="3" creationId="{D3406371-1AA5-46D0-A317-27D52A7A73C9}"/>
-          </ac:spMkLst>
-        </pc:spChg>
-      </pc:sldChg>
-      <pc:sldChg chg="modSp add replId">
-        <pc:chgData name="samuel barthelemy" userId="17dd9d392918d2e8" providerId="Windows Live" clId="Web-{92AAED8D-0CF3-417A-A427-43825A639103}" dt="2020-06-08T16:18:22.829" v="3247" actId="20577"/>
-        <pc:sldMkLst>
-          <pc:docMk/>
-          <pc:sldMk cId="3849448839" sldId="285"/>
-        </pc:sldMkLst>
-        <pc:spChg chg="mod">
-          <ac:chgData name="samuel barthelemy" userId="17dd9d392918d2e8" providerId="Windows Live" clId="Web-{92AAED8D-0CF3-417A-A427-43825A639103}" dt="2020-06-08T16:12:40.937" v="2889" actId="20577"/>
-          <ac:spMkLst>
-            <pc:docMk/>
-            <pc:sldMk cId="3849448839" sldId="285"/>
-            <ac:spMk id="2" creationId="{BD692A3F-EA90-43C0-8D8F-11E0F278D358}"/>
-          </ac:spMkLst>
-        </pc:spChg>
-        <pc:spChg chg="mod">
-          <ac:chgData name="samuel barthelemy" userId="17dd9d392918d2e8" providerId="Windows Live" clId="Web-{92AAED8D-0CF3-417A-A427-43825A639103}" dt="2020-06-08T16:18:22.829" v="3247" actId="20577"/>
-          <ac:spMkLst>
-            <pc:docMk/>
-            <pc:sldMk cId="3849448839" sldId="285"/>
-            <ac:spMk id="3" creationId="{D3406371-1AA5-46D0-A317-27D52A7A73C9}"/>
-          </ac:spMkLst>
-        </pc:spChg>
-      </pc:sldChg>
-      <pc:sldChg chg="modSp add replId">
-        <pc:chgData name="samuel barthelemy" userId="17dd9d392918d2e8" providerId="Windows Live" clId="Web-{92AAED8D-0CF3-417A-A427-43825A639103}" dt="2020-06-08T16:21:19.580" v="3377" actId="20577"/>
-        <pc:sldMkLst>
-          <pc:docMk/>
-          <pc:sldMk cId="2429771735" sldId="286"/>
-        </pc:sldMkLst>
-        <pc:spChg chg="mod">
-          <ac:chgData name="samuel barthelemy" userId="17dd9d392918d2e8" providerId="Windows Live" clId="Web-{92AAED8D-0CF3-417A-A427-43825A639103}" dt="2020-06-08T16:21:19.580" v="3377" actId="20577"/>
-          <ac:spMkLst>
-            <pc:docMk/>
-            <pc:sldMk cId="2429771735" sldId="286"/>
-            <ac:spMk id="3" creationId="{BB1F060E-9B84-4565-A238-134C52E40142}"/>
-          </ac:spMkLst>
-        </pc:spChg>
-      </pc:sldChg>
-      <pc:sldChg chg="modSp add replId">
-        <pc:chgData name="samuel barthelemy" userId="17dd9d392918d2e8" providerId="Windows Live" clId="Web-{92AAED8D-0CF3-417A-A427-43825A639103}" dt="2020-06-08T16:36:01.381" v="5101" actId="20577"/>
-        <pc:sldMkLst>
-          <pc:docMk/>
-          <pc:sldMk cId="1483105524" sldId="287"/>
-        </pc:sldMkLst>
-        <pc:spChg chg="mod">
-          <ac:chgData name="samuel barthelemy" userId="17dd9d392918d2e8" providerId="Windows Live" clId="Web-{92AAED8D-0CF3-417A-A427-43825A639103}" dt="2020-06-08T16:20:44.846" v="3370" actId="20577"/>
-          <ac:spMkLst>
-            <pc:docMk/>
-            <pc:sldMk cId="1483105524" sldId="287"/>
-            <ac:spMk id="2" creationId="{3D334039-E286-4D53-8720-D2B0A00FE62F}"/>
-          </ac:spMkLst>
-        </pc:spChg>
-        <pc:spChg chg="mod">
-          <ac:chgData name="samuel barthelemy" userId="17dd9d392918d2e8" providerId="Windows Live" clId="Web-{92AAED8D-0CF3-417A-A427-43825A639103}" dt="2020-06-08T16:36:01.381" v="5101" actId="20577"/>
-          <ac:spMkLst>
-            <pc:docMk/>
-            <pc:sldMk cId="1483105524" sldId="287"/>
-            <ac:spMk id="3" creationId="{BB1F060E-9B84-4565-A238-134C52E40142}"/>
-          </ac:spMkLst>
-        </pc:spChg>
-      </pc:sldChg>
-      <pc:sldChg chg="new del">
-        <pc:chgData name="samuel barthelemy" userId="17dd9d392918d2e8" providerId="Windows Live" clId="Web-{92AAED8D-0CF3-417A-A427-43825A639103}" dt="2020-06-08T16:19:56.220" v="3330"/>
-        <pc:sldMkLst>
-          <pc:docMk/>
-          <pc:sldMk cId="3387029734" sldId="287"/>
-        </pc:sldMkLst>
-      </pc:sldChg>
-      <pc:sldChg chg="modSp add replId">
-        <pc:chgData name="samuel barthelemy" userId="17dd9d392918d2e8" providerId="Windows Live" clId="Web-{92AAED8D-0CF3-417A-A427-43825A639103}" dt="2020-06-08T16:34:45.661" v="4955" actId="20577"/>
-        <pc:sldMkLst>
-          <pc:docMk/>
-          <pc:sldMk cId="2466668669" sldId="288"/>
-        </pc:sldMkLst>
-        <pc:spChg chg="mod">
-          <ac:chgData name="samuel barthelemy" userId="17dd9d392918d2e8" providerId="Windows Live" clId="Web-{92AAED8D-0CF3-417A-A427-43825A639103}" dt="2020-06-08T16:20:38.158" v="3365" actId="20577"/>
-          <ac:spMkLst>
-            <pc:docMk/>
-            <pc:sldMk cId="2466668669" sldId="288"/>
-            <ac:spMk id="2" creationId="{3D334039-E286-4D53-8720-D2B0A00FE62F}"/>
-          </ac:spMkLst>
-        </pc:spChg>
-        <pc:spChg chg="mod">
-          <ac:chgData name="samuel barthelemy" userId="17dd9d392918d2e8" providerId="Windows Live" clId="Web-{92AAED8D-0CF3-417A-A427-43825A639103}" dt="2020-06-08T16:34:45.661" v="4955" actId="20577"/>
-          <ac:spMkLst>
-            <pc:docMk/>
-            <pc:sldMk cId="2466668669" sldId="288"/>
-            <ac:spMk id="3" creationId="{BB1F060E-9B84-4565-A238-134C52E40142}"/>
-          </ac:spMkLst>
-        </pc:spChg>
-      </pc:sldChg>
-      <pc:sldChg chg="modSp add replId">
-        <pc:chgData name="samuel barthelemy" userId="17dd9d392918d2e8" providerId="Windows Live" clId="Web-{92AAED8D-0CF3-417A-A427-43825A639103}" dt="2020-06-08T16:30:16.145" v="4163" actId="20577"/>
-        <pc:sldMkLst>
-          <pc:docMk/>
-          <pc:sldMk cId="2452177028" sldId="289"/>
-        </pc:sldMkLst>
-        <pc:spChg chg="mod">
-          <ac:chgData name="samuel barthelemy" userId="17dd9d392918d2e8" providerId="Windows Live" clId="Web-{92AAED8D-0CF3-417A-A427-43825A639103}" dt="2020-06-08T16:20:32.455" v="3360" actId="20577"/>
-          <ac:spMkLst>
-            <pc:docMk/>
-            <pc:sldMk cId="2452177028" sldId="289"/>
-            <ac:spMk id="2" creationId="{3D334039-E286-4D53-8720-D2B0A00FE62F}"/>
-          </ac:spMkLst>
-        </pc:spChg>
-        <pc:spChg chg="mod">
-          <ac:chgData name="samuel barthelemy" userId="17dd9d392918d2e8" providerId="Windows Live" clId="Web-{92AAED8D-0CF3-417A-A427-43825A639103}" dt="2020-06-08T16:30:16.145" v="4163" actId="20577"/>
-          <ac:spMkLst>
-            <pc:docMk/>
-            <pc:sldMk cId="2452177028" sldId="289"/>
-            <ac:spMk id="3" creationId="{BB1F060E-9B84-4565-A238-134C52E40142}"/>
-          </ac:spMkLst>
-        </pc:spChg>
-      </pc:sldChg>
-      <pc:sldChg chg="modSp add replId">
-        <pc:chgData name="samuel barthelemy" userId="17dd9d392918d2e8" providerId="Windows Live" clId="Web-{92AAED8D-0CF3-417A-A427-43825A639103}" dt="2020-06-08T16:26:43.581" v="3564" actId="20577"/>
-        <pc:sldMkLst>
-          <pc:docMk/>
-          <pc:sldMk cId="616610356" sldId="290"/>
-        </pc:sldMkLst>
-        <pc:spChg chg="mod">
-          <ac:chgData name="samuel barthelemy" userId="17dd9d392918d2e8" providerId="Windows Live" clId="Web-{92AAED8D-0CF3-417A-A427-43825A639103}" dt="2020-06-08T16:20:20.361" v="3349" actId="20577"/>
-          <ac:spMkLst>
-            <pc:docMk/>
-            <pc:sldMk cId="616610356" sldId="290"/>
-            <ac:spMk id="2" creationId="{3D334039-E286-4D53-8720-D2B0A00FE62F}"/>
-          </ac:spMkLst>
-        </pc:spChg>
-        <pc:spChg chg="mod">
-          <ac:chgData name="samuel barthelemy" userId="17dd9d392918d2e8" providerId="Windows Live" clId="Web-{92AAED8D-0CF3-417A-A427-43825A639103}" dt="2020-06-08T16:26:43.581" v="3564" actId="20577"/>
-          <ac:spMkLst>
-            <pc:docMk/>
-            <pc:sldMk cId="616610356" sldId="290"/>
-            <ac:spMk id="3" creationId="{BB1F060E-9B84-4565-A238-134C52E40142}"/>
-          </ac:spMkLst>
-        </pc:spChg>
-      </pc:sldChg>
-      <pc:sldChg chg="modSp add ord replId">
-        <pc:chgData name="samuel barthelemy" userId="17dd9d392918d2e8" providerId="Windows Live" clId="Web-{92AAED8D-0CF3-417A-A427-43825A639103}" dt="2020-06-08T16:41:26.179" v="5122" actId="20577"/>
-        <pc:sldMkLst>
-          <pc:docMk/>
-          <pc:sldMk cId="868860208" sldId="291"/>
-        </pc:sldMkLst>
-        <pc:spChg chg="mod">
-          <ac:chgData name="samuel barthelemy" userId="17dd9d392918d2e8" providerId="Windows Live" clId="Web-{92AAED8D-0CF3-417A-A427-43825A639103}" dt="2020-06-08T16:41:22.226" v="5109" actId="20577"/>
-          <ac:spMkLst>
-            <pc:docMk/>
-            <pc:sldMk cId="868860208" sldId="291"/>
-            <ac:spMk id="2" creationId="{BD692A3F-EA90-43C0-8D8F-11E0F278D358}"/>
-          </ac:spMkLst>
-        </pc:spChg>
-        <pc:spChg chg="mod">
-          <ac:chgData name="samuel barthelemy" userId="17dd9d392918d2e8" providerId="Windows Live" clId="Web-{92AAED8D-0CF3-417A-A427-43825A639103}" dt="2020-06-08T16:41:26.179" v="5122" actId="20577"/>
-          <ac:spMkLst>
-            <pc:docMk/>
-            <pc:sldMk cId="868860208" sldId="291"/>
-            <ac:spMk id="3" creationId="{D3406371-1AA5-46D0-A317-27D52A7A73C9}"/>
-          </ac:spMkLst>
-        </pc:spChg>
-      </pc:sldChg>
-      <pc:sldChg chg="new del">
-        <pc:chgData name="samuel barthelemy" userId="17dd9d392918d2e8" providerId="Windows Live" clId="Web-{92AAED8D-0CF3-417A-A427-43825A639103}" dt="2020-06-08T16:41:38.991" v="5126"/>
-        <pc:sldMkLst>
-          <pc:docMk/>
-          <pc:sldMk cId="1366124317" sldId="292"/>
-        </pc:sldMkLst>
-      </pc:sldChg>
-      <pc:sldChg chg="modSp add replId">
-        <pc:chgData name="samuel barthelemy" userId="17dd9d392918d2e8" providerId="Windows Live" clId="Web-{92AAED8D-0CF3-417A-A427-43825A639103}" dt="2020-06-08T16:49:50.087" v="6445" actId="20577"/>
-        <pc:sldMkLst>
-          <pc:docMk/>
-          <pc:sldMk cId="4046590331" sldId="292"/>
-        </pc:sldMkLst>
-        <pc:spChg chg="mod">
-          <ac:chgData name="samuel barthelemy" userId="17dd9d392918d2e8" providerId="Windows Live" clId="Web-{92AAED8D-0CF3-417A-A427-43825A639103}" dt="2020-06-08T16:41:50.007" v="5152" actId="20577"/>
-          <ac:spMkLst>
-            <pc:docMk/>
-            <pc:sldMk cId="4046590331" sldId="292"/>
-            <ac:spMk id="2" creationId="{BD692A3F-EA90-43C0-8D8F-11E0F278D358}"/>
-          </ac:spMkLst>
-        </pc:spChg>
-        <pc:spChg chg="mod">
-          <ac:chgData name="samuel barthelemy" userId="17dd9d392918d2e8" providerId="Windows Live" clId="Web-{92AAED8D-0CF3-417A-A427-43825A639103}" dt="2020-06-08T16:49:50.087" v="6445" actId="20577"/>
-          <ac:spMkLst>
-            <pc:docMk/>
-            <pc:sldMk cId="4046590331" sldId="292"/>
-            <ac:spMk id="3" creationId="{D3406371-1AA5-46D0-A317-27D52A7A73C9}"/>
-          </ac:spMkLst>
-        </pc:spChg>
-      </pc:sldChg>
-      <pc:sldChg chg="modSp add replId">
-        <pc:chgData name="samuel barthelemy" userId="17dd9d392918d2e8" providerId="Windows Live" clId="Web-{92AAED8D-0CF3-417A-A427-43825A639103}" dt="2020-06-08T17:00:04.918" v="8204" actId="20577"/>
-        <pc:sldMkLst>
-          <pc:docMk/>
-          <pc:sldMk cId="3003849687" sldId="293"/>
-        </pc:sldMkLst>
-        <pc:spChg chg="mod">
-          <ac:chgData name="samuel barthelemy" userId="17dd9d392918d2e8" providerId="Windows Live" clId="Web-{92AAED8D-0CF3-417A-A427-43825A639103}" dt="2020-06-08T16:42:26.023" v="5178" actId="20577"/>
-          <ac:spMkLst>
-            <pc:docMk/>
-            <pc:sldMk cId="3003849687" sldId="293"/>
-            <ac:spMk id="2" creationId="{BD692A3F-EA90-43C0-8D8F-11E0F278D358}"/>
-          </ac:spMkLst>
-        </pc:spChg>
-        <pc:spChg chg="mod">
-          <ac:chgData name="samuel barthelemy" userId="17dd9d392918d2e8" providerId="Windows Live" clId="Web-{92AAED8D-0CF3-417A-A427-43825A639103}" dt="2020-06-08T17:00:04.918" v="8204" actId="20577"/>
-          <ac:spMkLst>
-            <pc:docMk/>
-            <pc:sldMk cId="3003849687" sldId="293"/>
-            <ac:spMk id="3" creationId="{D3406371-1AA5-46D0-A317-27D52A7A73C9}"/>
-          </ac:spMkLst>
-        </pc:spChg>
-      </pc:sldChg>
-      <pc:sldChg chg="modSp add replId">
-        <pc:chgData name="samuel barthelemy" userId="17dd9d392918d2e8" providerId="Windows Live" clId="Web-{92AAED8D-0CF3-417A-A427-43825A639103}" dt="2020-06-08T17:03:07.887" v="8573" actId="20577"/>
-        <pc:sldMkLst>
-          <pc:docMk/>
-          <pc:sldMk cId="1341089232" sldId="294"/>
-        </pc:sldMkLst>
-        <pc:spChg chg="mod">
-          <ac:chgData name="samuel barthelemy" userId="17dd9d392918d2e8" providerId="Windows Live" clId="Web-{92AAED8D-0CF3-417A-A427-43825A639103}" dt="2020-06-08T16:42:31.273" v="5181" actId="20577"/>
-          <ac:spMkLst>
-            <pc:docMk/>
-            <pc:sldMk cId="1341089232" sldId="294"/>
-            <ac:spMk id="2" creationId="{BD692A3F-EA90-43C0-8D8F-11E0F278D358}"/>
-          </ac:spMkLst>
-        </pc:spChg>
-        <pc:spChg chg="mod">
-          <ac:chgData name="samuel barthelemy" userId="17dd9d392918d2e8" providerId="Windows Live" clId="Web-{92AAED8D-0CF3-417A-A427-43825A639103}" dt="2020-06-08T17:03:07.887" v="8573" actId="20577"/>
-          <ac:spMkLst>
-            <pc:docMk/>
-            <pc:sldMk cId="1341089232" sldId="294"/>
-            <ac:spMk id="3" creationId="{D3406371-1AA5-46D0-A317-27D52A7A73C9}"/>
-          </ac:spMkLst>
-        </pc:spChg>
-      </pc:sldChg>
-      <pc:sldChg chg="modSp add replId">
-        <pc:chgData name="samuel barthelemy" userId="17dd9d392918d2e8" providerId="Windows Live" clId="Web-{92AAED8D-0CF3-417A-A427-43825A639103}" dt="2020-06-08T17:26:59.831" v="9197" actId="20577"/>
-        <pc:sldMkLst>
-          <pc:docMk/>
-          <pc:sldMk cId="1630789954" sldId="295"/>
-        </pc:sldMkLst>
-        <pc:spChg chg="mod">
-          <ac:chgData name="samuel barthelemy" userId="17dd9d392918d2e8" providerId="Windows Live" clId="Web-{92AAED8D-0CF3-417A-A427-43825A639103}" dt="2020-06-08T16:42:35.898" v="5192" actId="20577"/>
-          <ac:spMkLst>
-            <pc:docMk/>
-            <pc:sldMk cId="1630789954" sldId="295"/>
-            <ac:spMk id="2" creationId="{BD692A3F-EA90-43C0-8D8F-11E0F278D358}"/>
-          </ac:spMkLst>
-        </pc:spChg>
-        <pc:spChg chg="mod">
-          <ac:chgData name="samuel barthelemy" userId="17dd9d392918d2e8" providerId="Windows Live" clId="Web-{92AAED8D-0CF3-417A-A427-43825A639103}" dt="2020-06-08T17:26:59.831" v="9197" actId="20577"/>
-          <ac:spMkLst>
-            <pc:docMk/>
-            <pc:sldMk cId="1630789954" sldId="295"/>
-            <ac:spMk id="3" creationId="{D3406371-1AA5-46D0-A317-27D52A7A73C9}"/>
-          </ac:spMkLst>
-        </pc:spChg>
-      </pc:sldChg>
-      <pc:sldChg chg="modSp new">
-        <pc:chgData name="samuel barthelemy" userId="17dd9d392918d2e8" providerId="Windows Live" clId="Web-{92AAED8D-0CF3-417A-A427-43825A639103}" dt="2020-06-10T15:14:32.132" v="12557" actId="20577"/>
-        <pc:sldMkLst>
-          <pc:docMk/>
-          <pc:sldMk cId="3488563682" sldId="296"/>
-        </pc:sldMkLst>
-        <pc:spChg chg="mod">
-          <ac:chgData name="samuel barthelemy" userId="17dd9d392918d2e8" providerId="Windows Live" clId="Web-{92AAED8D-0CF3-417A-A427-43825A639103}" dt="2020-06-08T17:27:38.612" v="9200" actId="20577"/>
-          <ac:spMkLst>
-            <pc:docMk/>
-            <pc:sldMk cId="3488563682" sldId="296"/>
-            <ac:spMk id="2" creationId="{A6DB2AB3-24A3-444E-9C44-279AE01D36D5}"/>
-          </ac:spMkLst>
-        </pc:spChg>
-        <pc:spChg chg="mod">
-          <ac:chgData name="samuel barthelemy" userId="17dd9d392918d2e8" providerId="Windows Live" clId="Web-{92AAED8D-0CF3-417A-A427-43825A639103}" dt="2020-06-10T15:14:32.132" v="12557" actId="20577"/>
-          <ac:spMkLst>
-            <pc:docMk/>
-            <pc:sldMk cId="3488563682" sldId="296"/>
-            <ac:spMk id="3" creationId="{C23A66AE-BAB2-4D9F-8F36-CB7C121BF2D7}"/>
-          </ac:spMkLst>
-        </pc:spChg>
-      </pc:sldChg>
-      <pc:sldChg chg="modSp new">
-        <pc:chgData name="samuel barthelemy" userId="17dd9d392918d2e8" providerId="Windows Live" clId="Web-{92AAED8D-0CF3-417A-A427-43825A639103}" dt="2020-06-08T17:39:16.099" v="10470" actId="20577"/>
-        <pc:sldMkLst>
-          <pc:docMk/>
-          <pc:sldMk cId="4025474799" sldId="297"/>
-        </pc:sldMkLst>
-        <pc:spChg chg="mod">
-          <ac:chgData name="samuel barthelemy" userId="17dd9d392918d2e8" providerId="Windows Live" clId="Web-{92AAED8D-0CF3-417A-A427-43825A639103}" dt="2020-06-08T17:30:09.707" v="9527" actId="20577"/>
-          <ac:spMkLst>
-            <pc:docMk/>
-            <pc:sldMk cId="4025474799" sldId="297"/>
-            <ac:spMk id="2" creationId="{5B5BFE18-DC51-44F8-8994-B09B6309FF01}"/>
-          </ac:spMkLst>
-        </pc:spChg>
-        <pc:spChg chg="mod">
-          <ac:chgData name="samuel barthelemy" userId="17dd9d392918d2e8" providerId="Windows Live" clId="Web-{92AAED8D-0CF3-417A-A427-43825A639103}" dt="2020-06-08T17:39:16.099" v="10470" actId="20577"/>
-          <ac:spMkLst>
-            <pc:docMk/>
-            <pc:sldMk cId="4025474799" sldId="297"/>
-            <ac:spMk id="3" creationId="{07F01FC7-7036-474A-9388-BB179C319FA3}"/>
-          </ac:spMkLst>
-        </pc:spChg>
-      </pc:sldChg>
-      <pc:sldChg chg="modSp new">
-        <pc:chgData name="samuel barthelemy" userId="17dd9d392918d2e8" providerId="Windows Live" clId="Web-{92AAED8D-0CF3-417A-A427-43825A639103}" dt="2020-06-08T17:47:20.476" v="11759" actId="20577"/>
-        <pc:sldMkLst>
-          <pc:docMk/>
-          <pc:sldMk cId="1669467333" sldId="298"/>
-        </pc:sldMkLst>
-        <pc:spChg chg="mod">
-          <ac:chgData name="samuel barthelemy" userId="17dd9d392918d2e8" providerId="Windows Live" clId="Web-{92AAED8D-0CF3-417A-A427-43825A639103}" dt="2020-06-08T17:39:36.053" v="10477" actId="20577"/>
-          <ac:spMkLst>
-            <pc:docMk/>
-            <pc:sldMk cId="1669467333" sldId="298"/>
-            <ac:spMk id="2" creationId="{C4AD3BBA-69A7-41DB-A5F3-053309039C63}"/>
-          </ac:spMkLst>
-        </pc:spChg>
-        <pc:spChg chg="mod">
-          <ac:chgData name="samuel barthelemy" userId="17dd9d392918d2e8" providerId="Windows Live" clId="Web-{92AAED8D-0CF3-417A-A427-43825A639103}" dt="2020-06-08T17:47:20.476" v="11759" actId="20577"/>
-          <ac:spMkLst>
-            <pc:docMk/>
-            <pc:sldMk cId="1669467333" sldId="298"/>
-            <ac:spMk id="3" creationId="{BC5B8E62-ABAC-4313-BD17-7D21ABFD1F01}"/>
-          </ac:spMkLst>
-        </pc:spChg>
-      </pc:sldChg>
-      <pc:sldChg chg="modSp new">
-        <pc:chgData name="samuel barthelemy" userId="17dd9d392918d2e8" providerId="Windows Live" clId="Web-{92AAED8D-0CF3-417A-A427-43825A639103}" dt="2020-06-09T14:16:20.247" v="12437" actId="20577"/>
-        <pc:sldMkLst>
-          <pc:docMk/>
-          <pc:sldMk cId="3441125890" sldId="299"/>
-        </pc:sldMkLst>
-        <pc:spChg chg="mod">
-          <ac:chgData name="samuel barthelemy" userId="17dd9d392918d2e8" providerId="Windows Live" clId="Web-{92AAED8D-0CF3-417A-A427-43825A639103}" dt="2020-06-09T14:16:20.247" v="12437" actId="20577"/>
-          <ac:spMkLst>
-            <pc:docMk/>
-            <pc:sldMk cId="3441125890" sldId="299"/>
-            <ac:spMk id="2" creationId="{0B3CBCF8-125B-4658-911F-69BE017F8EF6}"/>
-          </ac:spMkLst>
-        </pc:spChg>
-        <pc:spChg chg="mod">
-          <ac:chgData name="samuel barthelemy" userId="17dd9d392918d2e8" providerId="Windows Live" clId="Web-{92AAED8D-0CF3-417A-A427-43825A639103}" dt="2020-06-09T11:01:03.703" v="12409" actId="20577"/>
-          <ac:spMkLst>
-            <pc:docMk/>
-            <pc:sldMk cId="3441125890" sldId="299"/>
-            <ac:spMk id="3" creationId="{40AF3402-8920-457D-9462-F3B16E0DA554}"/>
-          </ac:spMkLst>
-        </pc:spChg>
-      </pc:sldChg>
-      <pc:sldChg chg="modSp new">
-        <pc:chgData name="samuel barthelemy" userId="17dd9d392918d2e8" providerId="Windows Live" clId="Web-{92AAED8D-0CF3-417A-A427-43825A639103}" dt="2020-06-10T15:14:52.023" v="12580" actId="20577"/>
-        <pc:sldMkLst>
-          <pc:docMk/>
-          <pc:sldMk cId="4136604052" sldId="300"/>
-        </pc:sldMkLst>
-        <pc:spChg chg="mod">
-          <ac:chgData name="samuel barthelemy" userId="17dd9d392918d2e8" providerId="Windows Live" clId="Web-{92AAED8D-0CF3-417A-A427-43825A639103}" dt="2020-06-10T15:14:52.023" v="12580" actId="20577"/>
-          <ac:spMkLst>
-            <pc:docMk/>
-            <pc:sldMk cId="4136604052" sldId="300"/>
-            <ac:spMk id="2" creationId="{5572C9B7-688E-46CD-ABB5-9CAC4FE7BB66}"/>
-          </ac:spMkLst>
-        </pc:spChg>
-        <pc:spChg chg="mod">
-          <ac:chgData name="samuel barthelemy" userId="17dd9d392918d2e8" providerId="Windows Live" clId="Web-{92AAED8D-0CF3-417A-A427-43825A639103}" dt="2020-06-10T12:56:52.569" v="12526" actId="20577"/>
-          <ac:spMkLst>
-            <pc:docMk/>
-            <pc:sldMk cId="4136604052" sldId="300"/>
-            <ac:spMk id="3" creationId="{E51A6653-9B0A-48AD-B6B0-8AB7C6D61195}"/>
-          </ac:spMkLst>
-        </pc:spChg>
-      </pc:sldChg>
-    </pc:docChg>
-  </pc:docChgLst>
-  <pc:docChgLst>
-    <pc:chgData name="samuel barthelemy" userId="17dd9d392918d2e8" providerId="Windows Live" clId="Web-{0EF1F527-CABC-4649-96F0-570669BC6787}"/>
-    <pc:docChg chg="addSld modSld">
-      <pc:chgData name="samuel barthelemy" userId="17dd9d392918d2e8" providerId="Windows Live" clId="Web-{0EF1F527-CABC-4649-96F0-570669BC6787}" dt="2020-06-04T14:08:53.285" v="12492" actId="20577"/>
-      <pc:docMkLst>
-        <pc:docMk/>
-      </pc:docMkLst>
-      <pc:sldChg chg="modSp">
-        <pc:chgData name="samuel barthelemy" userId="17dd9d392918d2e8" providerId="Windows Live" clId="Web-{0EF1F527-CABC-4649-96F0-570669BC6787}" dt="2020-06-03T14:51:30.718" v="131" actId="20577"/>
-        <pc:sldMkLst>
-          <pc:docMk/>
-          <pc:sldMk cId="109857222" sldId="256"/>
-        </pc:sldMkLst>
-        <pc:spChg chg="mod">
-          <ac:chgData name="samuel barthelemy" userId="17dd9d392918d2e8" providerId="Windows Live" clId="Web-{0EF1F527-CABC-4649-96F0-570669BC6787}" dt="2020-06-03T14:51:30.718" v="131" actId="20577"/>
-          <ac:spMkLst>
-            <pc:docMk/>
-            <pc:sldMk cId="109857222" sldId="256"/>
-            <ac:spMk id="2" creationId="{00000000-0000-0000-0000-000000000000}"/>
-          </ac:spMkLst>
-        </pc:spChg>
-        <pc:spChg chg="mod">
-          <ac:chgData name="samuel barthelemy" userId="17dd9d392918d2e8" providerId="Windows Live" clId="Web-{0EF1F527-CABC-4649-96F0-570669BC6787}" dt="2020-06-03T14:50:51.390" v="78" actId="20577"/>
-          <ac:spMkLst>
-            <pc:docMk/>
-            <pc:sldMk cId="109857222" sldId="256"/>
-            <ac:spMk id="3" creationId="{00000000-0000-0000-0000-000000000000}"/>
-          </ac:spMkLst>
-        </pc:spChg>
-      </pc:sldChg>
-      <pc:sldChg chg="modSp new">
-        <pc:chgData name="samuel barthelemy" userId="17dd9d392918d2e8" providerId="Windows Live" clId="Web-{0EF1F527-CABC-4649-96F0-570669BC6787}" dt="2020-06-03T14:53:50.016" v="266" actId="20577"/>
-        <pc:sldMkLst>
-          <pc:docMk/>
-          <pc:sldMk cId="1905552763" sldId="257"/>
-        </pc:sldMkLst>
-        <pc:spChg chg="mod">
-          <ac:chgData name="samuel barthelemy" userId="17dd9d392918d2e8" providerId="Windows Live" clId="Web-{0EF1F527-CABC-4649-96F0-570669BC6787}" dt="2020-06-03T14:52:08.031" v="179" actId="20577"/>
-          <ac:spMkLst>
-            <pc:docMk/>
-            <pc:sldMk cId="1905552763" sldId="257"/>
-            <ac:spMk id="2" creationId="{25017C9D-8562-4D2F-ABC8-136B01882534}"/>
-          </ac:spMkLst>
-        </pc:spChg>
-        <pc:spChg chg="mod">
-          <ac:chgData name="samuel barthelemy" userId="17dd9d392918d2e8" providerId="Windows Live" clId="Web-{0EF1F527-CABC-4649-96F0-570669BC6787}" dt="2020-06-03T14:53:50.016" v="266" actId="20577"/>
-          <ac:spMkLst>
-            <pc:docMk/>
-            <pc:sldMk cId="1905552763" sldId="257"/>
-            <ac:spMk id="3" creationId="{38DE9BE0-E3B0-4442-BF7A-0E43DC5E5C15}"/>
-          </ac:spMkLst>
-        </pc:spChg>
-      </pc:sldChg>
-      <pc:sldChg chg="modSp new">
-        <pc:chgData name="samuel barthelemy" userId="17dd9d392918d2e8" providerId="Windows Live" clId="Web-{0EF1F527-CABC-4649-96F0-570669BC6787}" dt="2020-06-03T15:00:10.503" v="640" actId="20577"/>
-        <pc:sldMkLst>
-          <pc:docMk/>
-          <pc:sldMk cId="734868715" sldId="258"/>
-        </pc:sldMkLst>
-        <pc:spChg chg="mod">
-          <ac:chgData name="samuel barthelemy" userId="17dd9d392918d2e8" providerId="Windows Live" clId="Web-{0EF1F527-CABC-4649-96F0-570669BC6787}" dt="2020-06-03T14:54:18.235" v="320" actId="20577"/>
-          <ac:spMkLst>
-            <pc:docMk/>
-            <pc:sldMk cId="734868715" sldId="258"/>
-            <ac:spMk id="2" creationId="{4203F039-F771-4643-8E78-3A4C23C9838E}"/>
-          </ac:spMkLst>
-        </pc:spChg>
-        <pc:spChg chg="mod">
-          <ac:chgData name="samuel barthelemy" userId="17dd9d392918d2e8" providerId="Windows Live" clId="Web-{0EF1F527-CABC-4649-96F0-570669BC6787}" dt="2020-06-03T15:00:10.503" v="640" actId="20577"/>
-          <ac:spMkLst>
-            <pc:docMk/>
-            <pc:sldMk cId="734868715" sldId="258"/>
-            <ac:spMk id="3" creationId="{A503483B-E74A-4D78-AC26-C5C60E6EA85A}"/>
-          </ac:spMkLst>
-        </pc:spChg>
-      </pc:sldChg>
-      <pc:sldChg chg="modSp new">
-        <pc:chgData name="samuel barthelemy" userId="17dd9d392918d2e8" providerId="Windows Live" clId="Web-{0EF1F527-CABC-4649-96F0-570669BC6787}" dt="2020-06-04T13:31:40.812" v="8287" actId="20577"/>
-        <pc:sldMkLst>
-          <pc:docMk/>
-          <pc:sldMk cId="1455944892" sldId="259"/>
-        </pc:sldMkLst>
-        <pc:spChg chg="mod">
-          <ac:chgData name="samuel barthelemy" userId="17dd9d392918d2e8" providerId="Windows Live" clId="Web-{0EF1F527-CABC-4649-96F0-570669BC6787}" dt="2020-06-04T13:31:40.812" v="8287" actId="20577"/>
-          <ac:spMkLst>
-            <pc:docMk/>
-            <pc:sldMk cId="1455944892" sldId="259"/>
-            <ac:spMk id="2" creationId="{DC362F12-52F2-4D19-BD5B-4A9C8DDDEA37}"/>
-          </ac:spMkLst>
-        </pc:spChg>
-        <pc:spChg chg="mod">
-          <ac:chgData name="samuel barthelemy" userId="17dd9d392918d2e8" providerId="Windows Live" clId="Web-{0EF1F527-CABC-4649-96F0-570669BC6787}" dt="2020-06-03T15:44:30.861" v="5149" actId="20577"/>
-          <ac:spMkLst>
-            <pc:docMk/>
-            <pc:sldMk cId="1455944892" sldId="259"/>
-            <ac:spMk id="3" creationId="{C262F50F-9649-451B-86E5-B68FC093029D}"/>
-          </ac:spMkLst>
-        </pc:spChg>
-      </pc:sldChg>
-      <pc:sldChg chg="modSp new modNotes">
-        <pc:chgData name="samuel barthelemy" userId="17dd9d392918d2e8" providerId="Windows Live" clId="Web-{0EF1F527-CABC-4649-96F0-570669BC6787}" dt="2020-06-03T15:26:20.652" v="3401" actId="20577"/>
-        <pc:sldMkLst>
-          <pc:docMk/>
-          <pc:sldMk cId="1560016900" sldId="260"/>
-        </pc:sldMkLst>
-        <pc:spChg chg="mod">
-          <ac:chgData name="samuel barthelemy" userId="17dd9d392918d2e8" providerId="Windows Live" clId="Web-{0EF1F527-CABC-4649-96F0-570669BC6787}" dt="2020-06-03T15:06:49.036" v="1060" actId="20577"/>
-          <ac:spMkLst>
-            <pc:docMk/>
-            <pc:sldMk cId="1560016900" sldId="260"/>
-            <ac:spMk id="2" creationId="{70E52183-C7ED-40EC-864C-F8EFAF8D4892}"/>
-          </ac:spMkLst>
-        </pc:spChg>
-        <pc:spChg chg="mod">
-          <ac:chgData name="samuel barthelemy" userId="17dd9d392918d2e8" providerId="Windows Live" clId="Web-{0EF1F527-CABC-4649-96F0-570669BC6787}" dt="2020-06-03T15:26:20.652" v="3401" actId="20577"/>
-          <ac:spMkLst>
-            <pc:docMk/>
-            <pc:sldMk cId="1560016900" sldId="260"/>
-            <ac:spMk id="3" creationId="{D36F398C-C611-4423-BEAA-F9F2B7F5D12B}"/>
-          </ac:spMkLst>
-        </pc:spChg>
-      </pc:sldChg>
-      <pc:sldChg chg="modSp new">
-        <pc:chgData name="samuel barthelemy" userId="17dd9d392918d2e8" providerId="Windows Live" clId="Web-{0EF1F527-CABC-4649-96F0-570669BC6787}" dt="2020-06-03T15:48:20.331" v="5477" actId="20577"/>
-        <pc:sldMkLst>
-          <pc:docMk/>
-          <pc:sldMk cId="3543264624" sldId="261"/>
-        </pc:sldMkLst>
-        <pc:spChg chg="mod">
-          <ac:chgData name="samuel barthelemy" userId="17dd9d392918d2e8" providerId="Windows Live" clId="Web-{0EF1F527-CABC-4649-96F0-570669BC6787}" dt="2020-06-03T15:27:46.590" v="3462" actId="20577"/>
-          <ac:spMkLst>
-            <pc:docMk/>
-            <pc:sldMk cId="3543264624" sldId="261"/>
-            <ac:spMk id="2" creationId="{933A1DD4-2988-4AD6-A64C-9065FB9DAC12}"/>
-          </ac:spMkLst>
-        </pc:spChg>
-        <pc:spChg chg="mod">
-          <ac:chgData name="samuel barthelemy" userId="17dd9d392918d2e8" providerId="Windows Live" clId="Web-{0EF1F527-CABC-4649-96F0-570669BC6787}" dt="2020-06-03T15:48:20.331" v="5477" actId="20577"/>
-          <ac:spMkLst>
-            <pc:docMk/>
-            <pc:sldMk cId="3543264624" sldId="261"/>
-            <ac:spMk id="3" creationId="{2E8C4B99-CCC9-4DB2-951D-5E133973045F}"/>
-          </ac:spMkLst>
-        </pc:spChg>
-      </pc:sldChg>
-      <pc:sldChg chg="addSp delSp modSp new">
-        <pc:chgData name="samuel barthelemy" userId="17dd9d392918d2e8" providerId="Windows Live" clId="Web-{0EF1F527-CABC-4649-96F0-570669BC6787}" dt="2020-06-04T13:30:54.890" v="8260" actId="20577"/>
-        <pc:sldMkLst>
-          <pc:docMk/>
-          <pc:sldMk cId="1145064302" sldId="262"/>
-        </pc:sldMkLst>
-        <pc:spChg chg="mod">
-          <ac:chgData name="samuel barthelemy" userId="17dd9d392918d2e8" providerId="Windows Live" clId="Web-{0EF1F527-CABC-4649-96F0-570669BC6787}" dt="2020-06-03T15:48:47.253" v="5510" actId="20577"/>
-          <ac:spMkLst>
-            <pc:docMk/>
-            <pc:sldMk cId="1145064302" sldId="262"/>
-            <ac:spMk id="2" creationId="{6435E672-3DEE-4C85-86D9-DA82C9B959F2}"/>
-          </ac:spMkLst>
-        </pc:spChg>
-        <pc:spChg chg="mod">
-          <ac:chgData name="samuel barthelemy" userId="17dd9d392918d2e8" providerId="Windows Live" clId="Web-{0EF1F527-CABC-4649-96F0-570669BC6787}" dt="2020-06-04T13:30:54.890" v="8260" actId="20577"/>
-          <ac:spMkLst>
-            <pc:docMk/>
-            <pc:sldMk cId="1145064302" sldId="262"/>
-            <ac:spMk id="3" creationId="{31D4FE67-5F62-44AC-B7A0-4BF6599A6DA8}"/>
-          </ac:spMkLst>
-        </pc:spChg>
-        <pc:spChg chg="add del mod">
-          <ac:chgData name="samuel barthelemy" userId="17dd9d392918d2e8" providerId="Windows Live" clId="Web-{0EF1F527-CABC-4649-96F0-570669BC6787}" dt="2020-06-03T15:48:35.628" v="5487"/>
-          <ac:spMkLst>
-            <pc:docMk/>
-            <pc:sldMk cId="1145064302" sldId="262"/>
-            <ac:spMk id="4" creationId="{977B6E34-1D05-4FF2-8603-050A5B8484ED}"/>
-          </ac:spMkLst>
-        </pc:spChg>
-      </pc:sldChg>
-      <pc:sldChg chg="modSp new">
-        <pc:chgData name="samuel barthelemy" userId="17dd9d392918d2e8" providerId="Windows Live" clId="Web-{0EF1F527-CABC-4649-96F0-570669BC6787}" dt="2020-06-03T15:59:35.428" v="6736" actId="20577"/>
-        <pc:sldMkLst>
-          <pc:docMk/>
-          <pc:sldMk cId="336334652" sldId="263"/>
-        </pc:sldMkLst>
-        <pc:spChg chg="mod">
-          <ac:chgData name="samuel barthelemy" userId="17dd9d392918d2e8" providerId="Windows Live" clId="Web-{0EF1F527-CABC-4649-96F0-570669BC6787}" dt="2020-06-03T15:51:04.535" v="5832" actId="20577"/>
-          <ac:spMkLst>
-            <pc:docMk/>
-            <pc:sldMk cId="336334652" sldId="263"/>
-            <ac:spMk id="2" creationId="{87E75E23-D2F9-439F-8EA4-B46ED0BAD5AE}"/>
-          </ac:spMkLst>
-        </pc:spChg>
-        <pc:spChg chg="mod">
-          <ac:chgData name="samuel barthelemy" userId="17dd9d392918d2e8" providerId="Windows Live" clId="Web-{0EF1F527-CABC-4649-96F0-570669BC6787}" dt="2020-06-03T15:59:35.428" v="6736" actId="20577"/>
-          <ac:spMkLst>
-            <pc:docMk/>
-            <pc:sldMk cId="336334652" sldId="263"/>
-            <ac:spMk id="3" creationId="{DAB2527A-CF0D-4F84-A4A3-7D63C007DD77}"/>
-          </ac:spMkLst>
-        </pc:spChg>
-      </pc:sldChg>
-      <pc:sldChg chg="modSp new">
-        <pc:chgData name="samuel barthelemy" userId="17dd9d392918d2e8" providerId="Windows Live" clId="Web-{0EF1F527-CABC-4649-96F0-570669BC6787}" dt="2020-06-04T13:29:53.296" v="8233" actId="20577"/>
-        <pc:sldMkLst>
-          <pc:docMk/>
-          <pc:sldMk cId="784731244" sldId="264"/>
-        </pc:sldMkLst>
-        <pc:spChg chg="mod">
-          <ac:chgData name="samuel barthelemy" userId="17dd9d392918d2e8" providerId="Windows Live" clId="Web-{0EF1F527-CABC-4649-96F0-570669BC6787}" dt="2020-06-04T13:21:52.291" v="6767" actId="20577"/>
-          <ac:spMkLst>
-            <pc:docMk/>
-            <pc:sldMk cId="784731244" sldId="264"/>
-            <ac:spMk id="2" creationId="{3181B638-D4DB-41D2-9A63-A5C1F0132DF7}"/>
-          </ac:spMkLst>
-        </pc:spChg>
-        <pc:spChg chg="mod">
-          <ac:chgData name="samuel barthelemy" userId="17dd9d392918d2e8" providerId="Windows Live" clId="Web-{0EF1F527-CABC-4649-96F0-570669BC6787}" dt="2020-06-04T13:29:53.296" v="8233" actId="20577"/>
-          <ac:spMkLst>
-            <pc:docMk/>
-            <pc:sldMk cId="784731244" sldId="264"/>
-            <ac:spMk id="3" creationId="{73CB4B15-241E-491F-BA8B-5AB18F7B04F6}"/>
-          </ac:spMkLst>
-        </pc:spChg>
-      </pc:sldChg>
-      <pc:sldChg chg="modSp new">
-        <pc:chgData name="samuel barthelemy" userId="17dd9d392918d2e8" providerId="Windows Live" clId="Web-{0EF1F527-CABC-4649-96F0-570669BC6787}" dt="2020-06-04T13:39:10.800" v="8757" actId="20577"/>
-        <pc:sldMkLst>
-          <pc:docMk/>
-          <pc:sldMk cId="2627659125" sldId="265"/>
-        </pc:sldMkLst>
-        <pc:spChg chg="mod">
-          <ac:chgData name="samuel barthelemy" userId="17dd9d392918d2e8" providerId="Windows Live" clId="Web-{0EF1F527-CABC-4649-96F0-570669BC6787}" dt="2020-06-04T13:31:52.314" v="8290" actId="20577"/>
-          <ac:spMkLst>
-            <pc:docMk/>
-            <pc:sldMk cId="2627659125" sldId="265"/>
-            <ac:spMk id="2" creationId="{81872BB4-0092-418A-AA38-F2C437B48948}"/>
-          </ac:spMkLst>
-        </pc:spChg>
-        <pc:spChg chg="mod">
-          <ac:chgData name="samuel barthelemy" userId="17dd9d392918d2e8" providerId="Windows Live" clId="Web-{0EF1F527-CABC-4649-96F0-570669BC6787}" dt="2020-06-04T13:39:10.800" v="8757" actId="20577"/>
-          <ac:spMkLst>
-            <pc:docMk/>
-            <pc:sldMk cId="2627659125" sldId="265"/>
-            <ac:spMk id="3" creationId="{7756C6A6-0514-4A00-BD71-112173ED8F24}"/>
-          </ac:spMkLst>
-        </pc:spChg>
-      </pc:sldChg>
-      <pc:sldChg chg="modSp new">
-        <pc:chgData name="samuel barthelemy" userId="17dd9d392918d2e8" providerId="Windows Live" clId="Web-{0EF1F527-CABC-4649-96F0-570669BC6787}" dt="2020-06-04T13:42:24.396" v="9249" actId="20577"/>
-        <pc:sldMkLst>
-          <pc:docMk/>
-          <pc:sldMk cId="250086932" sldId="266"/>
-        </pc:sldMkLst>
-        <pc:spChg chg="mod">
-          <ac:chgData name="samuel barthelemy" userId="17dd9d392918d2e8" providerId="Windows Live" clId="Web-{0EF1F527-CABC-4649-96F0-570669BC6787}" dt="2020-06-04T13:39:29.035" v="8784" actId="20577"/>
-          <ac:spMkLst>
-            <pc:docMk/>
-            <pc:sldMk cId="250086932" sldId="266"/>
-            <ac:spMk id="2" creationId="{976FDBC4-FE1D-4A5B-8DD0-365CBA3E85A2}"/>
-          </ac:spMkLst>
-        </pc:spChg>
-        <pc:spChg chg="mod">
-          <ac:chgData name="samuel barthelemy" userId="17dd9d392918d2e8" providerId="Windows Live" clId="Web-{0EF1F527-CABC-4649-96F0-570669BC6787}" dt="2020-06-04T13:42:24.396" v="9249" actId="20577"/>
-          <ac:spMkLst>
-            <pc:docMk/>
-            <pc:sldMk cId="250086932" sldId="266"/>
-            <ac:spMk id="3" creationId="{991520BA-6630-4C46-A750-B277FF486A68}"/>
-          </ac:spMkLst>
-        </pc:spChg>
-      </pc:sldChg>
-      <pc:sldChg chg="modSp new modNotes">
-        <pc:chgData name="samuel barthelemy" userId="17dd9d392918d2e8" providerId="Windows Live" clId="Web-{0EF1F527-CABC-4649-96F0-570669BC6787}" dt="2020-06-04T13:55:48.887" v="10978" actId="20577"/>
-        <pc:sldMkLst>
-          <pc:docMk/>
-          <pc:sldMk cId="61261596" sldId="267"/>
-        </pc:sldMkLst>
-        <pc:spChg chg="mod">
-          <ac:chgData name="samuel barthelemy" userId="17dd9d392918d2e8" providerId="Windows Live" clId="Web-{0EF1F527-CABC-4649-96F0-570669BC6787}" dt="2020-06-04T13:42:39.177" v="9275" actId="20577"/>
-          <ac:spMkLst>
-            <pc:docMk/>
-            <pc:sldMk cId="61261596" sldId="267"/>
-            <ac:spMk id="2" creationId="{22CB2C88-D5E6-4CDE-AA04-D0907DED3284}"/>
-          </ac:spMkLst>
-        </pc:spChg>
-        <pc:spChg chg="mod">
-          <ac:chgData name="samuel barthelemy" userId="17dd9d392918d2e8" providerId="Windows Live" clId="Web-{0EF1F527-CABC-4649-96F0-570669BC6787}" dt="2020-06-04T13:55:48.887" v="10978" actId="20577"/>
-          <ac:spMkLst>
-            <pc:docMk/>
-            <pc:sldMk cId="61261596" sldId="267"/>
-            <ac:spMk id="3" creationId="{D7057E2E-712C-4E3C-8A98-C8D1B8229A1F}"/>
-          </ac:spMkLst>
-        </pc:spChg>
-      </pc:sldChg>
-      <pc:sldChg chg="modSp new">
-        <pc:chgData name="samuel barthelemy" userId="17dd9d392918d2e8" providerId="Windows Live" clId="Web-{0EF1F527-CABC-4649-96F0-570669BC6787}" dt="2020-06-04T13:56:05.575" v="10986" actId="20577"/>
-        <pc:sldMkLst>
-          <pc:docMk/>
-          <pc:sldMk cId="4022204016" sldId="268"/>
-        </pc:sldMkLst>
-        <pc:spChg chg="mod">
-          <ac:chgData name="samuel barthelemy" userId="17dd9d392918d2e8" providerId="Windows Live" clId="Web-{0EF1F527-CABC-4649-96F0-570669BC6787}" dt="2020-06-04T13:56:05.575" v="10986" actId="20577"/>
-          <ac:spMkLst>
-            <pc:docMk/>
-            <pc:sldMk cId="4022204016" sldId="268"/>
-            <ac:spMk id="2" creationId="{702F26E6-B421-448E-A93B-585B102D5643}"/>
-          </ac:spMkLst>
-        </pc:spChg>
-        <pc:spChg chg="mod">
-          <ac:chgData name="samuel barthelemy" userId="17dd9d392918d2e8" providerId="Windows Live" clId="Web-{0EF1F527-CABC-4649-96F0-570669BC6787}" dt="2020-06-04T13:55:52.794" v="10982" actId="20577"/>
-          <ac:spMkLst>
-            <pc:docMk/>
-            <pc:sldMk cId="4022204016" sldId="268"/>
-            <ac:spMk id="3" creationId="{316D6D42-263B-4988-83A2-9624F537CB7F}"/>
-          </ac:spMkLst>
-        </pc:spChg>
-      </pc:sldChg>
-      <pc:sldChg chg="modSp new">
-        <pc:chgData name="samuel barthelemy" userId="17dd9d392918d2e8" providerId="Windows Live" clId="Web-{0EF1F527-CABC-4649-96F0-570669BC6787}" dt="2020-06-04T14:08:53.285" v="12491" actId="20577"/>
-        <pc:sldMkLst>
-          <pc:docMk/>
-          <pc:sldMk cId="2647365364" sldId="269"/>
-        </pc:sldMkLst>
-        <pc:spChg chg="mod">
-          <ac:chgData name="samuel barthelemy" userId="17dd9d392918d2e8" providerId="Windows Live" clId="Web-{0EF1F527-CABC-4649-96F0-570669BC6787}" dt="2020-06-04T13:57:00.466" v="11017" actId="20577"/>
-          <ac:spMkLst>
-            <pc:docMk/>
-            <pc:sldMk cId="2647365364" sldId="269"/>
-            <ac:spMk id="2" creationId="{3ED76F8D-7296-41C6-B592-79FAE5CBF7F4}"/>
-          </ac:spMkLst>
-        </pc:spChg>
-        <pc:spChg chg="mod">
-          <ac:chgData name="samuel barthelemy" userId="17dd9d392918d2e8" providerId="Windows Live" clId="Web-{0EF1F527-CABC-4649-96F0-570669BC6787}" dt="2020-06-04T14:08:53.285" v="12491" actId="20577"/>
-          <ac:spMkLst>
-            <pc:docMk/>
-            <pc:sldMk cId="2647365364" sldId="269"/>
-            <ac:spMk id="3" creationId="{F098A768-D250-4075-B259-552C3E95F4E6}"/>
-          </ac:spMkLst>
-        </pc:spChg>
-      </pc:sldChg>
-    </pc:docChg>
-  </pc:docChgLst>
-</pc:chgInfo>
 </file>
 
 <file path=ppt/notesMasters/notesMaster1.xml><?xml version="1.0" encoding="utf-8"?>
@@ -1437,7 +253,7 @@
           <a:p>
             <a:fld id="{634D7F39-F8BF-4713-82F4-92AA9D637F4A}" type="datetimeFigureOut">
               <a:rPr lang="en-US"/>
-              <a:t>6/10/2020</a:t>
+              <a:t>6/15/2020</a:t>
             </a:fld>
             <a:endParaRPr lang="en-US"/>
           </a:p>
@@ -2021,7 +837,7 @@
           <a:p>
             <a:fld id="{846CE7D5-CF57-46EF-B807-FDD0502418D4}" type="datetimeFigureOut">
               <a:rPr lang="en-US" smtClean="0"/>
-              <a:t>6/10/2020</a:t>
+              <a:t>6/15/2020</a:t>
             </a:fld>
             <a:endParaRPr lang="en-US"/>
           </a:p>
@@ -2191,7 +1007,7 @@
           <a:p>
             <a:fld id="{846CE7D5-CF57-46EF-B807-FDD0502418D4}" type="datetimeFigureOut">
               <a:rPr lang="en-US" smtClean="0"/>
-              <a:t>6/10/2020</a:t>
+              <a:t>6/15/2020</a:t>
             </a:fld>
             <a:endParaRPr lang="en-US"/>
           </a:p>
@@ -2371,7 +1187,7 @@
           <a:p>
             <a:fld id="{846CE7D5-CF57-46EF-B807-FDD0502418D4}" type="datetimeFigureOut">
               <a:rPr lang="en-US" smtClean="0"/>
-              <a:t>6/10/2020</a:t>
+              <a:t>6/15/2020</a:t>
             </a:fld>
             <a:endParaRPr lang="en-US"/>
           </a:p>
@@ -2541,7 +1357,7 @@
           <a:p>
             <a:fld id="{846CE7D5-CF57-46EF-B807-FDD0502418D4}" type="datetimeFigureOut">
               <a:rPr lang="en-US" smtClean="0"/>
-              <a:t>6/10/2020</a:t>
+              <a:t>6/15/2020</a:t>
             </a:fld>
             <a:endParaRPr lang="en-US"/>
           </a:p>
@@ -2787,7 +1603,7 @@
           <a:p>
             <a:fld id="{846CE7D5-CF57-46EF-B807-FDD0502418D4}" type="datetimeFigureOut">
               <a:rPr lang="en-US" smtClean="0"/>
-              <a:t>6/10/2020</a:t>
+              <a:t>6/15/2020</a:t>
             </a:fld>
             <a:endParaRPr lang="en-US"/>
           </a:p>
@@ -3019,7 +1835,7 @@
           <a:p>
             <a:fld id="{846CE7D5-CF57-46EF-B807-FDD0502418D4}" type="datetimeFigureOut">
               <a:rPr lang="en-US" smtClean="0"/>
-              <a:t>6/10/2020</a:t>
+              <a:t>6/15/2020</a:t>
             </a:fld>
             <a:endParaRPr lang="en-US"/>
           </a:p>
@@ -3386,7 +2202,7 @@
           <a:p>
             <a:fld id="{846CE7D5-CF57-46EF-B807-FDD0502418D4}" type="datetimeFigureOut">
               <a:rPr lang="en-US" smtClean="0"/>
-              <a:t>6/10/2020</a:t>
+              <a:t>6/15/2020</a:t>
             </a:fld>
             <a:endParaRPr lang="en-US"/>
           </a:p>
@@ -3504,7 +2320,7 @@
           <a:p>
             <a:fld id="{846CE7D5-CF57-46EF-B807-FDD0502418D4}" type="datetimeFigureOut">
               <a:rPr lang="en-US" smtClean="0"/>
-              <a:t>6/10/2020</a:t>
+              <a:t>6/15/2020</a:t>
             </a:fld>
             <a:endParaRPr lang="en-US"/>
           </a:p>
@@ -3599,7 +2415,7 @@
           <a:p>
             <a:fld id="{846CE7D5-CF57-46EF-B807-FDD0502418D4}" type="datetimeFigureOut">
               <a:rPr lang="en-US" smtClean="0"/>
-              <a:t>6/10/2020</a:t>
+              <a:t>6/15/2020</a:t>
             </a:fld>
             <a:endParaRPr lang="en-US"/>
           </a:p>
@@ -3876,7 +2692,7 @@
           <a:p>
             <a:fld id="{846CE7D5-CF57-46EF-B807-FDD0502418D4}" type="datetimeFigureOut">
               <a:rPr lang="en-US" smtClean="0"/>
-              <a:t>6/10/2020</a:t>
+              <a:t>6/15/2020</a:t>
             </a:fld>
             <a:endParaRPr lang="en-US"/>
           </a:p>
@@ -4133,7 +2949,7 @@
           <a:p>
             <a:fld id="{846CE7D5-CF57-46EF-B807-FDD0502418D4}" type="datetimeFigureOut">
               <a:rPr lang="en-US" smtClean="0"/>
-              <a:t>6/10/2020</a:t>
+              <a:t>6/15/2020</a:t>
             </a:fld>
             <a:endParaRPr lang="en-US"/>
           </a:p>
@@ -4346,7 +3162,7 @@
           <a:p>
             <a:fld id="{846CE7D5-CF57-46EF-B807-FDD0502418D4}" type="datetimeFigureOut">
               <a:rPr lang="en-US" smtClean="0"/>
-              <a:t>6/10/2020</a:t>
+              <a:t>6/15/2020</a:t>
             </a:fld>
             <a:endParaRPr lang="en-US"/>
           </a:p>
@@ -4926,10 +3742,10 @@
           <a:p>
             <a:pPr lvl="1"/>
             <a:r>
-              <a:rPr lang="en-US" dirty="0" err="1">
-                <a:cs typeface="Calibri"/>
-              </a:rPr>
-              <a:t>Dymamic</a:t>
+              <a:rPr lang="en-US">
+                <a:cs typeface="Calibri"/>
+              </a:rPr>
+              <a:t>Dynamic</a:t>
             </a:r>
             <a:r>
               <a:rPr lang="en-US" dirty="0">
@@ -10118,7 +8934,7 @@
         <p:spPr/>
         <p:txBody>
           <a:bodyPr vert="horz" lIns="91440" tIns="45720" rIns="91440" bIns="45720" rtlCol="0" anchor="t">
-            <a:normAutofit/>
+            <a:normAutofit lnSpcReduction="10000"/>
           </a:bodyPr>
           <a:lstStyle/>
           <a:p>
@@ -10129,36 +8945,21 @@
               <a:t>import </a:t>
             </a:r>
             <a:r>
-              <a:rPr lang="en-US" dirty="0" err="1">
+              <a:rPr lang="en-US" err="1">
                 <a:cs typeface="Calibri"/>
               </a:rPr>
               <a:t>os</a:t>
             </a:r>
-          </a:p>
-          <a:p>
-            <a:r>
-              <a:rPr lang="en-US" dirty="0" err="1">
-                <a:cs typeface="Calibri"/>
-              </a:rPr>
-              <a:t>os.popen</a:t>
-            </a:r>
-            <a:r>
-              <a:rPr lang="en-US" dirty="0">
-                <a:cs typeface="Calibri"/>
-              </a:rPr>
-              <a:t>("</a:t>
-            </a:r>
-            <a:r>
-              <a:rPr lang="en-US" dirty="0" err="1">
-                <a:cs typeface="Calibri"/>
-              </a:rPr>
-              <a:t>cmd</a:t>
-            </a:r>
-            <a:r>
-              <a:rPr lang="en-US" dirty="0">
-                <a:cs typeface="Calibri"/>
-              </a:rPr>
-              <a:t>")</a:t>
+            <a:endParaRPr lang="en-US">
+              <a:cs typeface="Calibri"/>
+            </a:endParaRPr>
+          </a:p>
+          <a:p>
+            <a:r>
+              <a:rPr lang="en-US">
+                <a:cs typeface="Calibri"/>
+              </a:rPr>
+              <a:t>os.popen("systeminfo")</a:t>
             </a:r>
           </a:p>
           <a:p>
@@ -10174,7 +8975,7 @@
               <a:t>This command uses an internal python library called "</a:t>
             </a:r>
             <a:r>
-              <a:rPr lang="en-US" dirty="0" err="1">
+              <a:rPr lang="en-US" err="1">
                 <a:cs typeface="Calibri"/>
               </a:rPr>
               <a:t>os</a:t>
@@ -10186,7 +8987,7 @@
               <a:t>" and is using </a:t>
             </a:r>
             <a:r>
-              <a:rPr lang="en-US" dirty="0" err="1">
+              <a:rPr lang="en-US" err="1">
                 <a:cs typeface="Calibri"/>
               </a:rPr>
               <a:t>it's</a:t>
@@ -10198,16 +8999,16 @@
               <a:t> </a:t>
             </a:r>
             <a:r>
-              <a:rPr lang="en-US" dirty="0" err="1">
+              <a:rPr lang="en-US" err="1">
                 <a:cs typeface="Calibri"/>
               </a:rPr>
               <a:t>popen</a:t>
             </a:r>
             <a:r>
-              <a:rPr lang="en-US" dirty="0">
-                <a:cs typeface="Calibri"/>
-              </a:rPr>
-              <a:t> API to tell it you want the Window's command prompt.</a:t>
+              <a:rPr lang="en-US">
+                <a:cs typeface="Calibri"/>
+              </a:rPr>
+              <a:t> API to tell it you want the Window's systeminfo command.</a:t>
             </a:r>
           </a:p>
           <a:p>
@@ -10218,53 +9019,51 @@
               <a:t>The </a:t>
             </a:r>
             <a:r>
-              <a:rPr lang="en-US" dirty="0" err="1">
+              <a:rPr lang="en-US" err="1">
                 <a:cs typeface="Calibri"/>
               </a:rPr>
               <a:t>popen</a:t>
             </a:r>
             <a:r>
-              <a:rPr lang="en-US" dirty="0">
-                <a:cs typeface="Calibri"/>
-              </a:rPr>
-              <a:t> API then takes the "</a:t>
-            </a:r>
-            <a:r>
-              <a:rPr lang="en-US" dirty="0" err="1">
-                <a:cs typeface="Calibri"/>
-              </a:rPr>
-              <a:t>cmd</a:t>
-            </a:r>
-            <a:r>
-              <a:rPr lang="en-US" dirty="0">
-                <a:cs typeface="Calibri"/>
-              </a:rPr>
-              <a:t>" and uses a Window's Library API to call a </a:t>
-            </a:r>
-            <a:r>
-              <a:rPr lang="en-US" dirty="0" err="1">
+              <a:rPr lang="en-US">
+                <a:cs typeface="Calibri"/>
+              </a:rPr>
+              <a:t> API then takes the "systeminfo" and uses a Window's Library API to call a </a:t>
+            </a:r>
+            <a:r>
+              <a:rPr lang="en-US" err="1">
                 <a:cs typeface="Calibri"/>
               </a:rPr>
               <a:t>CreateProcess</a:t>
             </a:r>
             <a:r>
-              <a:rPr lang="en-US" dirty="0">
-                <a:cs typeface="Calibri"/>
-              </a:rPr>
-              <a:t> function with the "</a:t>
-            </a:r>
-            <a:r>
-              <a:rPr lang="en-US" dirty="0" err="1">
-                <a:cs typeface="Calibri"/>
-              </a:rPr>
-              <a:t>cmd</a:t>
-            </a:r>
-            <a:r>
-              <a:rPr lang="en-US" dirty="0">
-                <a:cs typeface="Calibri"/>
-              </a:rPr>
-              <a:t>" you passed in.</a:t>
-            </a:r>
+              <a:rPr lang="en-US">
+                <a:cs typeface="Calibri"/>
+              </a:rPr>
+              <a:t> function with the "systeminfo" string you </a:t>
+            </a:r>
+            <a:r>
+              <a:rPr lang="en-US" dirty="0">
+                <a:cs typeface="Calibri"/>
+              </a:rPr>
+              <a:t>passed in.</a:t>
+            </a:r>
+          </a:p>
+          <a:p>
+            <a:endParaRPr lang="en-US" dirty="0">
+              <a:cs typeface="Calibri"/>
+            </a:endParaRPr>
+          </a:p>
+          <a:p>
+            <a:r>
+              <a:rPr lang="en-US">
+                <a:cs typeface="Calibri"/>
+              </a:rPr>
+              <a:t>See the code details for how this is used.</a:t>
+            </a:r>
+            <a:endParaRPr lang="en-US" dirty="0">
+              <a:cs typeface="Calibri"/>
+            </a:endParaRPr>
           </a:p>
         </p:txBody>
       </p:sp>
